--- a/slide_0205/20200205_urita.pptx
+++ b/slide_0205/20200205_urita.pptx
@@ -7527,11 +7527,7 @@
             </a:r>
             <a:r>
               <a:rPr kumimoji="1" lang="ja-JP" altLang="en-US" dirty="0" smtClean="0"/>
-              <a:t>の</a:t>
-            </a:r>
-            <a:r>
-              <a:rPr kumimoji="1" lang="ja-JP" altLang="en-US" dirty="0" smtClean="0"/>
-              <a:t>類似度</a:t>
+              <a:t>の類似度</a:t>
             </a:r>
             <a:endParaRPr kumimoji="1" lang="ja-JP" altLang="en-US" dirty="0"/>
           </a:p>
@@ -9053,8 +9049,8 @@
           </a:p>
         </p:txBody>
       </p:sp>
-      <mc:AlternateContent xmlns:mc="http://schemas.openxmlformats.org/markup-compatibility/2006" xmlns:a14="http://schemas.microsoft.com/office/drawing/2010/main">
-        <mc:Choice Requires="a14">
+      <mc:AlternateContent xmlns:mc="http://schemas.openxmlformats.org/markup-compatibility/2006">
+        <mc:Choice xmlns:a14="http://schemas.microsoft.com/office/drawing/2010/main" Requires="a14">
           <p:sp>
             <p:nvSpPr>
               <p:cNvPr id="8" name="テキスト ボックス 7"/>
@@ -9063,8 +9059,8 @@
             </p:nvSpPr>
             <p:spPr>
               <a:xfrm>
-                <a:off x="1041968" y="4202726"/>
-                <a:ext cx="7060074" cy="1262718"/>
+                <a:off x="1075631" y="4202726"/>
+                <a:ext cx="6992748" cy="1278170"/>
               </a:xfrm>
               <a:prstGeom prst="rect">
                 <a:avLst/>
@@ -9099,7 +9095,6 @@
                           <m:nor/>
                         </m:rPr>
                         <a:rPr kumimoji="1" lang="en-US" altLang="ja-JP" sz="2800" b="0" i="0" baseline="-25000" smtClean="0">
-                          <a:latin typeface="Times New Roman" panose="02020603050405020304" pitchFamily="18" charset="0"/>
                           <a:cs typeface="Times New Roman" panose="02020603050405020304" pitchFamily="18" charset="0"/>
                         </a:rPr>
                         <m:t>2</m:t>
@@ -9152,7 +9147,16 @@
                               <a:latin typeface="Times New Roman" panose="02020603050405020304" pitchFamily="18" charset="0"/>
                               <a:cs typeface="Times New Roman" panose="02020603050405020304" pitchFamily="18" charset="0"/>
                             </a:rPr>
-                            <m:t>= 1</m:t>
+                            <m:t>= </m:t>
+                          </m:r>
+                          <m:r>
+                            <m:rPr>
+                              <m:nor/>
+                            </m:rPr>
+                            <a:rPr kumimoji="1" lang="en-US" altLang="ja-JP" sz="2800" b="0" i="0" smtClean="0">
+                              <a:cs typeface="Times New Roman" panose="02020603050405020304" pitchFamily="18" charset="0"/>
+                            </a:rPr>
+                            <m:t>1</m:t>
                           </m:r>
                         </m:sub>
                         <m:sup>
@@ -9242,11 +9246,11 @@
                             <m:rPr>
                               <m:nor/>
                             </m:rPr>
-                            <a:rPr lang="en-US" altLang="ja-JP" sz="2800">
+                            <a:rPr lang="en-US" altLang="ja-JP" sz="2800" b="0" i="0" smtClean="0">
                               <a:latin typeface="Times New Roman" panose="02020603050405020304" pitchFamily="18" charset="0"/>
                               <a:cs typeface="Times New Roman" panose="02020603050405020304" pitchFamily="18" charset="0"/>
                             </a:rPr>
-                            <m:t>−</m:t>
+                            <m:t>+</m:t>
                           </m:r>
                           <m:r>
                             <m:rPr>
@@ -9333,7 +9337,6 @@
                               <m:nor/>
                             </m:rPr>
                             <a:rPr kumimoji="1" lang="en-US" altLang="ja-JP" sz="2800" b="0" i="0" baseline="-25000" smtClean="0">
-                              <a:latin typeface="Times New Roman" panose="02020603050405020304" pitchFamily="18" charset="0"/>
                               <a:cs typeface="Times New Roman" panose="02020603050405020304" pitchFamily="18" charset="0"/>
                             </a:rPr>
                             <m:t>2</m:t>
@@ -9349,14 +9352,37 @@
                             <m:t>)</m:t>
                           </m:r>
                           <m:r>
+                            <a:rPr kumimoji="1" lang="en-US" altLang="ja-JP" sz="2800" b="0" i="1" smtClean="0">
+                              <a:latin typeface="Cambria Math" panose="02040503050406030204" pitchFamily="18" charset="0"/>
+                              <a:cs typeface="Times New Roman" panose="02020603050405020304" pitchFamily="18" charset="0"/>
+                            </a:rPr>
+                            <m:t> </m:t>
+                          </m:r>
+                          <m:r>
                             <m:rPr>
                               <m:nor/>
                             </m:rPr>
-                            <a:rPr kumimoji="1" lang="en-US" altLang="ja-JP" sz="2800" b="0" i="1" smtClean="0">
+                            <a:rPr lang="en-US" altLang="ja-JP" sz="2800" i="1">
+                              <a:solidFill>
+                                <a:srgbClr val="000000"/>
+                              </a:solidFill>
                               <a:latin typeface="Times New Roman" panose="02020603050405020304" pitchFamily="18" charset="0"/>
                               <a:cs typeface="Times New Roman" panose="02020603050405020304" pitchFamily="18" charset="0"/>
                             </a:rPr>
-                            <m:t> </m:t>
+                            <m:t>x</m:t>
+                          </m:r>
+                          <m:r>
+                            <m:rPr>
+                              <m:nor/>
+                            </m:rPr>
+                            <a:rPr lang="en-US" altLang="ja-JP" sz="2800" i="1" baseline="-25000">
+                              <a:solidFill>
+                                <a:srgbClr val="000000"/>
+                              </a:solidFill>
+                              <a:latin typeface="Times New Roman" panose="02020603050405020304" pitchFamily="18" charset="0"/>
+                              <a:cs typeface="Times New Roman" panose="02020603050405020304" pitchFamily="18" charset="0"/>
+                            </a:rPr>
+                            <m:t>i</m:t>
                           </m:r>
                           <m:r>
                             <m:rPr>
@@ -9366,17 +9392,7 @@
                               <a:latin typeface="Times New Roman" panose="02020603050405020304" pitchFamily="18" charset="0"/>
                               <a:cs typeface="Times New Roman" panose="02020603050405020304" pitchFamily="18" charset="0"/>
                             </a:rPr>
-                            <m:t>xi</m:t>
-                          </m:r>
-                          <m:r>
-                            <m:rPr>
-                              <m:nor/>
-                            </m:rPr>
-                            <a:rPr kumimoji="1" lang="en-US" altLang="ja-JP" sz="2800" b="0" i="1" smtClean="0">
-                              <a:latin typeface="Times New Roman" panose="02020603050405020304" pitchFamily="18" charset="0"/>
-                              <a:cs typeface="Times New Roman" panose="02020603050405020304" pitchFamily="18" charset="0"/>
-                            </a:rPr>
-                            <m:t> +</m:t>
+                            <m:t>+</m:t>
                           </m:r>
                           <m:nary>
                             <m:naryPr>
@@ -9456,7 +9472,16 @@
                                   <a:latin typeface="Times New Roman" panose="02020603050405020304" pitchFamily="18" charset="0"/>
                                   <a:cs typeface="Times New Roman" panose="02020603050405020304" pitchFamily="18" charset="0"/>
                                 </a:rPr>
-                                <m:t>+1</m:t>
+                                <m:t>+</m:t>
+                              </m:r>
+                              <m:r>
+                                <m:rPr>
+                                  <m:nor/>
+                                </m:rPr>
+                                <a:rPr lang="en-US" altLang="ja-JP" sz="2800" b="0" i="0" smtClean="0">
+                                  <a:cs typeface="Times New Roman" panose="02020603050405020304" pitchFamily="18" charset="0"/>
+                                </a:rPr>
+                                <m:t>1</m:t>
                               </m:r>
                             </m:sub>
                             <m:sup>
@@ -9497,7 +9522,6 @@
                                   <m:nor/>
                                 </m:rPr>
                                 <a:rPr lang="en-US" altLang="ja-JP" sz="2800" b="0" i="0" baseline="-25000" smtClean="0">
-                                  <a:latin typeface="Times New Roman" panose="02020603050405020304" pitchFamily="18" charset="0"/>
                                   <a:cs typeface="Times New Roman" panose="02020603050405020304" pitchFamily="18" charset="0"/>
                                 </a:rPr>
                                 <m:t>2</m:t>
@@ -9557,7 +9581,7 @@
             </p:txBody>
           </p:sp>
         </mc:Choice>
-        <mc:Fallback xmlns="">
+        <mc:Fallback>
           <p:sp>
             <p:nvSpPr>
               <p:cNvPr id="8" name="テキスト ボックス 7"/>
@@ -9568,16 +9592,16 @@
             </p:nvSpPr>
             <p:spPr>
               <a:xfrm>
-                <a:off x="1041968" y="4202726"/>
-                <a:ext cx="7060074" cy="1262718"/>
+                <a:off x="1075631" y="4202726"/>
+                <a:ext cx="6992748" cy="1278170"/>
               </a:xfrm>
               <a:prstGeom prst="rect">
                 <a:avLst/>
               </a:prstGeom>
-              <a:blipFill>
+              <a:blipFill rotWithShape="0">
                 <a:blip r:embed="rId2"/>
                 <a:stretch>
-                  <a:fillRect l="-432" b="-5288"/>
+                  <a:fillRect l="-697" b="-5714"/>
                 </a:stretch>
               </a:blipFill>
             </p:spPr>
@@ -10341,11 +10365,7 @@
           <a:p>
             <a:r>
               <a:rPr kumimoji="1" lang="ja-JP" altLang="en-US" dirty="0" smtClean="0"/>
-              <a:t>アイテムの価値を</a:t>
-            </a:r>
-            <a:r>
-              <a:rPr kumimoji="1" lang="ja-JP" altLang="en-US" dirty="0" smtClean="0"/>
-              <a:t>変更した問題</a:t>
+              <a:t>アイテムの価値を変更した問題</a:t>
             </a:r>
             <a:endParaRPr kumimoji="1" lang="en-US" altLang="ja-JP" dirty="0" smtClean="0"/>
           </a:p>
@@ -10806,11 +10826,7 @@
             </a:r>
             <a:r>
               <a:rPr kumimoji="1" lang="ja-JP" altLang="en-US" dirty="0" smtClean="0"/>
-              <a:t>の</a:t>
-            </a:r>
-            <a:r>
-              <a:rPr kumimoji="1" lang="ja-JP" altLang="en-US" dirty="0" smtClean="0"/>
-              <a:t>類似度</a:t>
+              <a:t>の類似度</a:t>
             </a:r>
             <a:endParaRPr kumimoji="1" lang="ja-JP" altLang="en-US" dirty="0"/>
           </a:p>
